--- a/graphs.pptx
+++ b/graphs.pptx
@@ -106,6 +106,11 @@
       </a:defRPr>
     </a:lvl9pPr>
   </p:defaultTextStyle>
+  <p:extLst>
+    <p:ext uri="{EFAFB233-063F-42B5-8137-9DF3F51BA10A}">
+      <p15:sldGuideLst xmlns:p15="http://schemas.microsoft.com/office/powerpoint/2012/main"/>
+    </p:ext>
+  </p:extLst>
 </p:presentation>
 </file>
 
@@ -1427,10 +1432,10 @@
                   <c:v>11.76</c:v>
                 </c:pt>
                 <c:pt idx="1">
-                  <c:v>18.559999999999999</c:v>
+                  <c:v>24.35</c:v>
                 </c:pt>
                 <c:pt idx="2">
-                  <c:v>24.35</c:v>
+                  <c:v>18.559999999999999</c:v>
                 </c:pt>
               </c:numCache>
             </c:numRef>
@@ -3652,7 +3657,7 @@
           <a:p>
             <a:fld id="{556800CE-ACEE-4231-8ACB-5D1B06DED486}" type="datetimeFigureOut">
               <a:rPr lang="en-US" smtClean="0"/>
-              <a:t>10/26/2018</a:t>
+              <a:t>10/27/2018</a:t>
             </a:fld>
             <a:endParaRPr lang="en-US"/>
           </a:p>
@@ -3850,7 +3855,7 @@
           <a:p>
             <a:fld id="{556800CE-ACEE-4231-8ACB-5D1B06DED486}" type="datetimeFigureOut">
               <a:rPr lang="en-US" smtClean="0"/>
-              <a:t>10/26/2018</a:t>
+              <a:t>10/27/2018</a:t>
             </a:fld>
             <a:endParaRPr lang="en-US"/>
           </a:p>
@@ -4058,7 +4063,7 @@
           <a:p>
             <a:fld id="{556800CE-ACEE-4231-8ACB-5D1B06DED486}" type="datetimeFigureOut">
               <a:rPr lang="en-US" smtClean="0"/>
-              <a:t>10/26/2018</a:t>
+              <a:t>10/27/2018</a:t>
             </a:fld>
             <a:endParaRPr lang="en-US"/>
           </a:p>
@@ -4256,7 +4261,7 @@
           <a:p>
             <a:fld id="{556800CE-ACEE-4231-8ACB-5D1B06DED486}" type="datetimeFigureOut">
               <a:rPr lang="en-US" smtClean="0"/>
-              <a:t>10/26/2018</a:t>
+              <a:t>10/27/2018</a:t>
             </a:fld>
             <a:endParaRPr lang="en-US"/>
           </a:p>
@@ -4531,7 +4536,7 @@
           <a:p>
             <a:fld id="{556800CE-ACEE-4231-8ACB-5D1B06DED486}" type="datetimeFigureOut">
               <a:rPr lang="en-US" smtClean="0"/>
-              <a:t>10/26/2018</a:t>
+              <a:t>10/27/2018</a:t>
             </a:fld>
             <a:endParaRPr lang="en-US"/>
           </a:p>
@@ -4796,7 +4801,7 @@
           <a:p>
             <a:fld id="{556800CE-ACEE-4231-8ACB-5D1B06DED486}" type="datetimeFigureOut">
               <a:rPr lang="en-US" smtClean="0"/>
-              <a:t>10/26/2018</a:t>
+              <a:t>10/27/2018</a:t>
             </a:fld>
             <a:endParaRPr lang="en-US"/>
           </a:p>
@@ -5208,7 +5213,7 @@
           <a:p>
             <a:fld id="{556800CE-ACEE-4231-8ACB-5D1B06DED486}" type="datetimeFigureOut">
               <a:rPr lang="en-US" smtClean="0"/>
-              <a:t>10/26/2018</a:t>
+              <a:t>10/27/2018</a:t>
             </a:fld>
             <a:endParaRPr lang="en-US"/>
           </a:p>
@@ -5349,7 +5354,7 @@
           <a:p>
             <a:fld id="{556800CE-ACEE-4231-8ACB-5D1B06DED486}" type="datetimeFigureOut">
               <a:rPr lang="en-US" smtClean="0"/>
-              <a:t>10/26/2018</a:t>
+              <a:t>10/27/2018</a:t>
             </a:fld>
             <a:endParaRPr lang="en-US"/>
           </a:p>
@@ -5462,7 +5467,7 @@
           <a:p>
             <a:fld id="{556800CE-ACEE-4231-8ACB-5D1B06DED486}" type="datetimeFigureOut">
               <a:rPr lang="en-US" smtClean="0"/>
-              <a:t>10/26/2018</a:t>
+              <a:t>10/27/2018</a:t>
             </a:fld>
             <a:endParaRPr lang="en-US"/>
           </a:p>
@@ -5773,7 +5778,7 @@
           <a:p>
             <a:fld id="{556800CE-ACEE-4231-8ACB-5D1B06DED486}" type="datetimeFigureOut">
               <a:rPr lang="en-US" smtClean="0"/>
-              <a:t>10/26/2018</a:t>
+              <a:t>10/27/2018</a:t>
             </a:fld>
             <a:endParaRPr lang="en-US"/>
           </a:p>
@@ -6061,7 +6066,7 @@
           <a:p>
             <a:fld id="{556800CE-ACEE-4231-8ACB-5D1B06DED486}" type="datetimeFigureOut">
               <a:rPr lang="en-US" smtClean="0"/>
-              <a:t>10/26/2018</a:t>
+              <a:t>10/27/2018</a:t>
             </a:fld>
             <a:endParaRPr lang="en-US"/>
           </a:p>
@@ -6302,7 +6307,7 @@
           <a:p>
             <a:fld id="{556800CE-ACEE-4231-8ACB-5D1B06DED486}" type="datetimeFigureOut">
               <a:rPr lang="en-US" smtClean="0"/>
-              <a:t>10/26/2018</a:t>
+              <a:t>10/27/2018</a:t>
             </a:fld>
             <a:endParaRPr lang="en-US"/>
           </a:p>
@@ -6848,7 +6853,7 @@
           <p:nvPr>
             <p:extLst>
               <p:ext uri="{D42A27DB-BD31-4B8C-83A1-F6EECF244321}">
-                <p14:modId xmlns:p14="http://schemas.microsoft.com/office/powerpoint/2010/main" val="2245154197"/>
+                <p14:modId xmlns:p14="http://schemas.microsoft.com/office/powerpoint/2010/main" val="4008873337"/>
               </p:ext>
             </p:extLst>
           </p:nvPr>
